--- a/assets/ResturantSlider.pptx
+++ b/assets/ResturantSlider.pptx
@@ -9,7 +9,10 @@
     <p:sldId id="258" r:id="rId3"/>
     <p:sldId id="259" r:id="rId4"/>
     <p:sldId id="260" r:id="rId5"/>
-    <p:sldId id="257" r:id="rId6"/>
+    <p:sldId id="261" r:id="rId6"/>
+    <p:sldId id="262" r:id="rId7"/>
+    <p:sldId id="263" r:id="rId8"/>
+    <p:sldId id="264" r:id="rId9"/>
   </p:sldIdLst>
   <p:sldSz cx="12192000" cy="6858000"/>
   <p:notesSz cx="6858000" cy="9144000"/>
@@ -108,6 +111,11 @@
       </a:defRPr>
     </a:lvl9pPr>
   </p:defaultTextStyle>
+  <p:extLst>
+    <p:ext uri="{EFAFB233-063F-42B5-8137-9DF3F51BA10A}">
+      <p15:sldGuideLst xmlns:p15="http://schemas.microsoft.com/office/powerpoint/2012/main"/>
+    </p:ext>
+  </p:extLst>
 </p:presentation>
 </file>
 
@@ -258,7 +266,7 @@
           <a:p>
             <a:fld id="{D6233BF9-93ED-46AA-932E-2B2C1960F038}" type="datetimeFigureOut">
               <a:rPr lang="en-US" smtClean="0"/>
-              <a:t>7/9/2021</a:t>
+              <a:t>7/11/2021</a:t>
             </a:fld>
             <a:endParaRPr lang="en-US"/>
           </a:p>
@@ -456,7 +464,7 @@
           <a:p>
             <a:fld id="{D6233BF9-93ED-46AA-932E-2B2C1960F038}" type="datetimeFigureOut">
               <a:rPr lang="en-US" smtClean="0"/>
-              <a:t>7/9/2021</a:t>
+              <a:t>7/11/2021</a:t>
             </a:fld>
             <a:endParaRPr lang="en-US"/>
           </a:p>
@@ -664,7 +672,7 @@
           <a:p>
             <a:fld id="{D6233BF9-93ED-46AA-932E-2B2C1960F038}" type="datetimeFigureOut">
               <a:rPr lang="en-US" smtClean="0"/>
-              <a:t>7/9/2021</a:t>
+              <a:t>7/11/2021</a:t>
             </a:fld>
             <a:endParaRPr lang="en-US"/>
           </a:p>
@@ -862,7 +870,7 @@
           <a:p>
             <a:fld id="{D6233BF9-93ED-46AA-932E-2B2C1960F038}" type="datetimeFigureOut">
               <a:rPr lang="en-US" smtClean="0"/>
-              <a:t>7/9/2021</a:t>
+              <a:t>7/11/2021</a:t>
             </a:fld>
             <a:endParaRPr lang="en-US"/>
           </a:p>
@@ -1137,7 +1145,7 @@
           <a:p>
             <a:fld id="{D6233BF9-93ED-46AA-932E-2B2C1960F038}" type="datetimeFigureOut">
               <a:rPr lang="en-US" smtClean="0"/>
-              <a:t>7/9/2021</a:t>
+              <a:t>7/11/2021</a:t>
             </a:fld>
             <a:endParaRPr lang="en-US"/>
           </a:p>
@@ -1402,7 +1410,7 @@
           <a:p>
             <a:fld id="{D6233BF9-93ED-46AA-932E-2B2C1960F038}" type="datetimeFigureOut">
               <a:rPr lang="en-US" smtClean="0"/>
-              <a:t>7/9/2021</a:t>
+              <a:t>7/11/2021</a:t>
             </a:fld>
             <a:endParaRPr lang="en-US"/>
           </a:p>
@@ -1814,7 +1822,7 @@
           <a:p>
             <a:fld id="{D6233BF9-93ED-46AA-932E-2B2C1960F038}" type="datetimeFigureOut">
               <a:rPr lang="en-US" smtClean="0"/>
-              <a:t>7/9/2021</a:t>
+              <a:t>7/11/2021</a:t>
             </a:fld>
             <a:endParaRPr lang="en-US"/>
           </a:p>
@@ -1955,7 +1963,7 @@
           <a:p>
             <a:fld id="{D6233BF9-93ED-46AA-932E-2B2C1960F038}" type="datetimeFigureOut">
               <a:rPr lang="en-US" smtClean="0"/>
-              <a:t>7/9/2021</a:t>
+              <a:t>7/11/2021</a:t>
             </a:fld>
             <a:endParaRPr lang="en-US"/>
           </a:p>
@@ -2068,7 +2076,7 @@
           <a:p>
             <a:fld id="{D6233BF9-93ED-46AA-932E-2B2C1960F038}" type="datetimeFigureOut">
               <a:rPr lang="en-US" smtClean="0"/>
-              <a:t>7/9/2021</a:t>
+              <a:t>7/11/2021</a:t>
             </a:fld>
             <a:endParaRPr lang="en-US"/>
           </a:p>
@@ -2379,7 +2387,7 @@
           <a:p>
             <a:fld id="{D6233BF9-93ED-46AA-932E-2B2C1960F038}" type="datetimeFigureOut">
               <a:rPr lang="en-US" smtClean="0"/>
-              <a:t>7/9/2021</a:t>
+              <a:t>7/11/2021</a:t>
             </a:fld>
             <a:endParaRPr lang="en-US"/>
           </a:p>
@@ -2667,7 +2675,7 @@
           <a:p>
             <a:fld id="{D6233BF9-93ED-46AA-932E-2B2C1960F038}" type="datetimeFigureOut">
               <a:rPr lang="en-US" smtClean="0"/>
-              <a:t>7/9/2021</a:t>
+              <a:t>7/11/2021</a:t>
             </a:fld>
             <a:endParaRPr lang="en-US"/>
           </a:p>
@@ -2908,7 +2916,7 @@
           <a:p>
             <a:fld id="{D6233BF9-93ED-46AA-932E-2B2C1960F038}" type="datetimeFigureOut">
               <a:rPr lang="en-US" smtClean="0"/>
-              <a:t>7/9/2021</a:t>
+              <a:t>7/11/2021</a:t>
             </a:fld>
             <a:endParaRPr lang="en-US"/>
           </a:p>
@@ -4467,106 +4475,330 @@
           <a:chExt cx="0" cy="0"/>
         </a:xfrm>
       </p:grpSpPr>
-      <p:pic>
-        <p:nvPicPr>
-          <p:cNvPr id="5" name="Picture 4">
-            <a:extLst>
-              <a:ext uri="{FF2B5EF4-FFF2-40B4-BE49-F238E27FC236}">
-                <a16:creationId xmlns:a16="http://schemas.microsoft.com/office/drawing/2014/main" id="{D502E60B-08F6-4DB3-8DED-E1DF51A28A88}"/>
-              </a:ext>
-            </a:extLst>
-          </p:cNvPr>
-          <p:cNvPicPr>
-            <a:picLocks noChangeAspect="1"/>
-          </p:cNvPicPr>
+      <p:grpSp>
+        <p:nvGrpSpPr>
+          <p:cNvPr id="11" name="Group 10">
+            <a:extLst>
+              <a:ext uri="{FF2B5EF4-FFF2-40B4-BE49-F238E27FC236}">
+                <a16:creationId xmlns:a16="http://schemas.microsoft.com/office/drawing/2014/main" id="{9D7C35CB-5AEC-4E5A-A36A-332F534AC610}"/>
+              </a:ext>
+            </a:extLst>
+          </p:cNvPr>
+          <p:cNvGrpSpPr/>
           <p:nvPr/>
-        </p:nvPicPr>
-        <p:blipFill>
-          <a:blip r:embed="rId2"/>
-          <a:stretch>
-            <a:fillRect/>
-          </a:stretch>
-        </p:blipFill>
+        </p:nvGrpSpPr>
+        <p:grpSpPr>
+          <a:xfrm>
+            <a:off x="0" y="0"/>
+            <a:ext cx="9436963" cy="6684885"/>
+            <a:chOff x="690090" y="360746"/>
+            <a:chExt cx="11317689" cy="4810125"/>
+          </a:xfrm>
+        </p:grpSpPr>
+        <p:pic>
+          <p:nvPicPr>
+            <p:cNvPr id="9" name="Picture 8">
+              <a:extLst>
+                <a:ext uri="{FF2B5EF4-FFF2-40B4-BE49-F238E27FC236}">
+                  <a16:creationId xmlns:a16="http://schemas.microsoft.com/office/drawing/2014/main" id="{A402ED14-530E-4BA6-B343-EDC686DA3A8E}"/>
+                </a:ext>
+              </a:extLst>
+            </p:cNvPr>
+            <p:cNvPicPr>
+              <a:picLocks noChangeAspect="1"/>
+            </p:cNvPicPr>
+            <p:nvPr/>
+          </p:nvPicPr>
+          <p:blipFill>
+            <a:blip r:embed="rId2"/>
+            <a:stretch>
+              <a:fillRect/>
+            </a:stretch>
+          </p:blipFill>
+          <p:spPr>
+            <a:xfrm>
+              <a:off x="690090" y="360746"/>
+              <a:ext cx="11317689" cy="4810125"/>
+            </a:xfrm>
+            <a:prstGeom prst="rect">
+              <a:avLst/>
+            </a:prstGeom>
+          </p:spPr>
+        </p:pic>
+        <p:sp>
+          <p:nvSpPr>
+            <p:cNvPr id="10" name="Rectangle 9">
+              <a:extLst>
+                <a:ext uri="{FF2B5EF4-FFF2-40B4-BE49-F238E27FC236}">
+                  <a16:creationId xmlns:a16="http://schemas.microsoft.com/office/drawing/2014/main" id="{98A3F89C-BF0E-44DA-A628-8376104DF339}"/>
+                </a:ext>
+              </a:extLst>
+            </p:cNvPr>
+            <p:cNvSpPr/>
+            <p:nvPr/>
+          </p:nvSpPr>
+          <p:spPr>
+            <a:xfrm>
+              <a:off x="2070788" y="1225899"/>
+              <a:ext cx="8419691" cy="2964264"/>
+            </a:xfrm>
+            <a:prstGeom prst="rect">
+              <a:avLst/>
+            </a:prstGeom>
+            <a:solidFill>
+              <a:srgbClr val="0B1219"/>
+            </a:solidFill>
+            <a:ln>
+              <a:noFill/>
+            </a:ln>
+          </p:spPr>
+          <p:style>
+            <a:lnRef idx="2">
+              <a:schemeClr val="accent1">
+                <a:shade val="50000"/>
+              </a:schemeClr>
+            </a:lnRef>
+            <a:fillRef idx="1">
+              <a:schemeClr val="accent1"/>
+            </a:fillRef>
+            <a:effectRef idx="0">
+              <a:schemeClr val="accent1"/>
+            </a:effectRef>
+            <a:fontRef idx="minor">
+              <a:schemeClr val="lt1"/>
+            </a:fontRef>
+          </p:style>
+          <p:txBody>
+            <a:bodyPr rtlCol="0" anchor="ctr"/>
+            <a:lstStyle/>
+            <a:p>
+              <a:pPr algn="ctr"/>
+              <a:endParaRPr lang="en-US"/>
+            </a:p>
+          </p:txBody>
+        </p:sp>
+      </p:grpSp>
+      <p:sp>
+        <p:nvSpPr>
+          <p:cNvPr id="6" name="TextBox 5">
+            <a:extLst>
+              <a:ext uri="{FF2B5EF4-FFF2-40B4-BE49-F238E27FC236}">
+                <a16:creationId xmlns:a16="http://schemas.microsoft.com/office/drawing/2014/main" id="{A094D03E-2664-4AB7-A1A0-122BBA7EA4F3}"/>
+              </a:ext>
+            </a:extLst>
+          </p:cNvPr>
+          <p:cNvSpPr txBox="1"/>
+          <p:nvPr/>
+        </p:nvSpPr>
         <p:spPr>
           <a:xfrm>
-            <a:off x="6738660" y="1553777"/>
-            <a:ext cx="4015599" cy="5188112"/>
-          </a:xfrm>
-          <a:prstGeom prst="rect">
-            <a:avLst/>
-          </a:prstGeom>
-        </p:spPr>
-      </p:pic>
-      <p:pic>
-        <p:nvPicPr>
-          <p:cNvPr id="9" name="Picture 8">
-            <a:extLst>
-              <a:ext uri="{FF2B5EF4-FFF2-40B4-BE49-F238E27FC236}">
-                <a16:creationId xmlns:a16="http://schemas.microsoft.com/office/drawing/2014/main" id="{A402ED14-530E-4BA6-B343-EDC686DA3A8E}"/>
-              </a:ext>
-            </a:extLst>
-          </p:cNvPr>
-          <p:cNvPicPr>
-            <a:picLocks noChangeAspect="1"/>
-          </p:cNvPicPr>
-          <p:nvPr/>
-        </p:nvPicPr>
-        <p:blipFill>
-          <a:blip r:embed="rId3"/>
-          <a:stretch>
-            <a:fillRect/>
-          </a:stretch>
-        </p:blipFill>
-        <p:spPr>
-          <a:xfrm>
-            <a:off x="629801" y="3164236"/>
-            <a:ext cx="6953250" cy="4810125"/>
-          </a:xfrm>
-          <a:prstGeom prst="rect">
-            <a:avLst/>
-          </a:prstGeom>
-        </p:spPr>
-      </p:pic>
-      <p:sp>
-        <p:nvSpPr>
-          <p:cNvPr id="6" name="TextBox 5">
-            <a:extLst>
-              <a:ext uri="{FF2B5EF4-FFF2-40B4-BE49-F238E27FC236}">
-                <a16:creationId xmlns:a16="http://schemas.microsoft.com/office/drawing/2014/main" id="{A094D03E-2664-4AB7-A1A0-122BBA7EA4F3}"/>
-              </a:ext>
-            </a:extLst>
-          </p:cNvPr>
-          <p:cNvSpPr txBox="1"/>
-          <p:nvPr/>
-        </p:nvSpPr>
-        <p:spPr>
-          <a:xfrm>
-            <a:off x="1437741" y="4549676"/>
-            <a:ext cx="5300919" cy="2308324"/>
+            <a:off x="1151259" y="1202349"/>
+            <a:ext cx="6909665" cy="4213029"/>
           </a:xfrm>
           <a:prstGeom prst="rect">
             <a:avLst/>
           </a:prstGeom>
           <a:solidFill>
-            <a:schemeClr val="tx1"/>
+            <a:srgbClr val="0B1219"/>
           </a:solidFill>
         </p:spPr>
         <p:txBody>
           <a:bodyPr wrap="square" rtlCol="0">
-            <a:spAutoFit/>
+            <a:normAutofit/>
           </a:bodyPr>
           <a:lstStyle/>
           <a:p>
             <a:pPr algn="ctr"/>
             <a:r>
-              <a:rPr lang="en-US" sz="7200" b="1" dirty="0">
-                <a:solidFill>
-                  <a:srgbClr val="FECA0A"/>
-                </a:solidFill>
-                <a:latin typeface="Pristina" panose="03060402040406080204" pitchFamily="66" charset="0"/>
-                <a:cs typeface="Quire Sans" panose="020B0502040204020203" pitchFamily="34" charset="0"/>
-              </a:rPr>
-              <a:t>Halal Indo Cuisine</a:t>
+              <a:rPr lang="en-US" sz="7500" b="1" dirty="0">
+                <a:solidFill>
+                  <a:srgbClr val="FECA0A"/>
+                </a:solidFill>
+                <a:latin typeface="Pristina" panose="03060402040406080204" pitchFamily="66" charset="0"/>
+                <a:cs typeface="Quire Sans" panose="020B0502040204020203" pitchFamily="34" charset="0"/>
+              </a:rPr>
+              <a:t>Standard</a:t>
+            </a:r>
+          </a:p>
+          <a:p>
+            <a:pPr algn="ctr"/>
+            <a:r>
+              <a:rPr lang="en-US" sz="5000" b="1" dirty="0">
+                <a:solidFill>
+                  <a:srgbClr val="FECA0A"/>
+                </a:solidFill>
+                <a:latin typeface="Pristina" panose="03060402040406080204" pitchFamily="66" charset="0"/>
+                <a:cs typeface="Quire Sans" panose="020B0502040204020203" pitchFamily="34" charset="0"/>
+              </a:rPr>
+              <a:t> $12.00 per person</a:t>
+            </a:r>
+          </a:p>
+          <a:p>
+            <a:pPr algn="ctr"/>
+            <a:r>
+              <a:rPr lang="en-US" sz="2400" b="1" dirty="0">
+                <a:solidFill>
+                  <a:srgbClr val="FECA0A"/>
+                </a:solidFill>
+                <a:latin typeface="Pristina" panose="03060402040406080204" pitchFamily="66" charset="0"/>
+                <a:cs typeface="Quire Sans" panose="020B0502040204020203" pitchFamily="34" charset="0"/>
+              </a:rPr>
+              <a:t>1 Veggie Appetizer </a:t>
+            </a:r>
+            <a:r>
+              <a:rPr lang="en-US" sz="2000" dirty="0">
+                <a:solidFill>
+                  <a:srgbClr val="FECA0A"/>
+                </a:solidFill>
+                <a:latin typeface="Pristina" panose="03060402040406080204" pitchFamily="66" charset="0"/>
+                <a:cs typeface="Quire Sans" panose="020B0502040204020203" pitchFamily="34" charset="0"/>
+              </a:rPr>
+              <a:t>(Pakora or Chat </a:t>
+            </a:r>
+            <a:r>
+              <a:rPr lang="en-US" sz="2000" dirty="0" err="1">
+                <a:solidFill>
+                  <a:srgbClr val="FECA0A"/>
+                </a:solidFill>
+                <a:latin typeface="Pristina" panose="03060402040406080204" pitchFamily="66" charset="0"/>
+                <a:cs typeface="Quire Sans" panose="020B0502040204020203" pitchFamily="34" charset="0"/>
+              </a:rPr>
+              <a:t>Papri</a:t>
+            </a:r>
+            <a:r>
+              <a:rPr lang="en-US" sz="2000" dirty="0">
+                <a:solidFill>
+                  <a:srgbClr val="FECA0A"/>
+                </a:solidFill>
+                <a:latin typeface="Pristina" panose="03060402040406080204" pitchFamily="66" charset="0"/>
+                <a:cs typeface="Quire Sans" panose="020B0502040204020203" pitchFamily="34" charset="0"/>
+              </a:rPr>
+              <a:t>)</a:t>
+            </a:r>
+            <a:r>
+              <a:rPr lang="en-US" sz="2400" b="1" dirty="0">
+                <a:solidFill>
+                  <a:srgbClr val="FECA0A"/>
+                </a:solidFill>
+                <a:latin typeface="Pristina" panose="03060402040406080204" pitchFamily="66" charset="0"/>
+                <a:cs typeface="Quire Sans" panose="020B0502040204020203" pitchFamily="34" charset="0"/>
+              </a:rPr>
+              <a:t> </a:t>
+            </a:r>
+          </a:p>
+          <a:p>
+            <a:pPr algn="ctr"/>
+            <a:r>
+              <a:rPr lang="en-US" sz="2400" b="1" dirty="0">
+                <a:solidFill>
+                  <a:srgbClr val="FECA0A"/>
+                </a:solidFill>
+                <a:latin typeface="Pristina" panose="03060402040406080204" pitchFamily="66" charset="0"/>
+                <a:cs typeface="Quire Sans" panose="020B0502040204020203" pitchFamily="34" charset="0"/>
+              </a:rPr>
+              <a:t>1 Non-Veg Appetizer </a:t>
+            </a:r>
+            <a:r>
+              <a:rPr lang="en-US" sz="2000" dirty="0">
+                <a:solidFill>
+                  <a:srgbClr val="FECA0A"/>
+                </a:solidFill>
+                <a:latin typeface="Pristina" panose="03060402040406080204" pitchFamily="66" charset="0"/>
+                <a:cs typeface="Quire Sans" panose="020B0502040204020203" pitchFamily="34" charset="0"/>
+              </a:rPr>
+              <a:t>(Chilly Chicken or Tandoori Chicken)</a:t>
+            </a:r>
+            <a:r>
+              <a:rPr lang="en-US" sz="2400" b="1" dirty="0">
+                <a:solidFill>
+                  <a:srgbClr val="FECA0A"/>
+                </a:solidFill>
+                <a:latin typeface="Pristina" panose="03060402040406080204" pitchFamily="66" charset="0"/>
+                <a:cs typeface="Quire Sans" panose="020B0502040204020203" pitchFamily="34" charset="0"/>
+              </a:rPr>
+              <a:t> </a:t>
+            </a:r>
+          </a:p>
+          <a:p>
+            <a:pPr algn="ctr"/>
+            <a:r>
+              <a:rPr lang="en-US" sz="2400" b="1" dirty="0">
+                <a:solidFill>
+                  <a:srgbClr val="FECA0A"/>
+                </a:solidFill>
+                <a:latin typeface="Pristina" panose="03060402040406080204" pitchFamily="66" charset="0"/>
+                <a:cs typeface="Quire Sans" panose="020B0502040204020203" pitchFamily="34" charset="0"/>
+              </a:rPr>
+              <a:t>1 Veggie Curry </a:t>
+            </a:r>
+            <a:r>
+              <a:rPr lang="en-US" sz="2000" dirty="0">
+                <a:solidFill>
+                  <a:srgbClr val="FECA0A"/>
+                </a:solidFill>
+                <a:latin typeface="Pristina" panose="03060402040406080204" pitchFamily="66" charset="0"/>
+                <a:cs typeface="Quire Sans" panose="020B0502040204020203" pitchFamily="34" charset="0"/>
+              </a:rPr>
+              <a:t>( Any Choice )</a:t>
+            </a:r>
+          </a:p>
+          <a:p>
+            <a:pPr algn="ctr"/>
+            <a:r>
+              <a:rPr lang="en-US" sz="2400" b="1" dirty="0">
+                <a:solidFill>
+                  <a:srgbClr val="FECA0A"/>
+                </a:solidFill>
+                <a:latin typeface="Pristina" panose="03060402040406080204" pitchFamily="66" charset="0"/>
+                <a:cs typeface="Quire Sans" panose="020B0502040204020203" pitchFamily="34" charset="0"/>
+              </a:rPr>
+              <a:t> 2 Curry </a:t>
+            </a:r>
+            <a:r>
+              <a:rPr lang="en-US" sz="2000" dirty="0">
+                <a:solidFill>
+                  <a:srgbClr val="FECA0A"/>
+                </a:solidFill>
+                <a:latin typeface="Pristina" panose="03060402040406080204" pitchFamily="66" charset="0"/>
+                <a:cs typeface="Quire Sans" panose="020B0502040204020203" pitchFamily="34" charset="0"/>
+              </a:rPr>
+              <a:t>(Curry, Biryani, Kabab, Roast)</a:t>
+            </a:r>
+            <a:r>
+              <a:rPr lang="en-US" sz="2400" b="1" dirty="0">
+                <a:solidFill>
+                  <a:srgbClr val="FECA0A"/>
+                </a:solidFill>
+                <a:latin typeface="Pristina" panose="03060402040406080204" pitchFamily="66" charset="0"/>
+                <a:cs typeface="Quire Sans" panose="020B0502040204020203" pitchFamily="34" charset="0"/>
+              </a:rPr>
+              <a:t> </a:t>
+            </a:r>
+          </a:p>
+          <a:p>
+            <a:pPr algn="ctr"/>
+            <a:r>
+              <a:rPr lang="en-US" sz="2400" b="1" dirty="0">
+                <a:solidFill>
+                  <a:srgbClr val="FECA0A"/>
+                </a:solidFill>
+                <a:latin typeface="Pristina" panose="03060402040406080204" pitchFamily="66" charset="0"/>
+                <a:cs typeface="Quire Sans" panose="020B0502040204020203" pitchFamily="34" charset="0"/>
+              </a:rPr>
+              <a:t>Pulao Naan Salad </a:t>
+            </a:r>
+          </a:p>
+          <a:p>
+            <a:pPr algn="ctr"/>
+            <a:r>
+              <a:rPr lang="en-US" sz="2400" b="1" dirty="0">
+                <a:solidFill>
+                  <a:srgbClr val="FECA0A"/>
+                </a:solidFill>
+                <a:latin typeface="Pristina" panose="03060402040406080204" pitchFamily="66" charset="0"/>
+                <a:cs typeface="Quire Sans" panose="020B0502040204020203" pitchFamily="34" charset="0"/>
+              </a:rPr>
+              <a:t>Any Dessert</a:t>
             </a:r>
           </a:p>
         </p:txBody>
@@ -4574,7 +4806,1064 @@
     </p:spTree>
     <p:extLst>
       <p:ext uri="{BB962C8B-B14F-4D97-AF65-F5344CB8AC3E}">
-        <p14:creationId xmlns:p14="http://schemas.microsoft.com/office/powerpoint/2010/main" val="4247361278"/>
+        <p14:creationId xmlns:p14="http://schemas.microsoft.com/office/powerpoint/2010/main" val="3638027619"/>
+      </p:ext>
+    </p:extLst>
+  </p:cSld>
+  <p:clrMapOvr>
+    <a:masterClrMapping/>
+  </p:clrMapOvr>
+</p:sld>
+</file>
+
+<file path=ppt/slides/slide6.xml><?xml version="1.0" encoding="utf-8"?>
+<p:sld xmlns:a="http://schemas.openxmlformats.org/drawingml/2006/main" xmlns:r="http://schemas.openxmlformats.org/officeDocument/2006/relationships" xmlns:p="http://schemas.openxmlformats.org/presentationml/2006/main">
+  <p:cSld>
+    <p:spTree>
+      <p:nvGrpSpPr>
+        <p:cNvPr id="1" name=""/>
+        <p:cNvGrpSpPr/>
+        <p:nvPr/>
+      </p:nvGrpSpPr>
+      <p:grpSpPr>
+        <a:xfrm>
+          <a:off x="0" y="0"/>
+          <a:ext cx="0" cy="0"/>
+          <a:chOff x="0" y="0"/>
+          <a:chExt cx="0" cy="0"/>
+        </a:xfrm>
+      </p:grpSpPr>
+      <p:grpSp>
+        <p:nvGrpSpPr>
+          <p:cNvPr id="11" name="Group 10">
+            <a:extLst>
+              <a:ext uri="{FF2B5EF4-FFF2-40B4-BE49-F238E27FC236}">
+                <a16:creationId xmlns:a16="http://schemas.microsoft.com/office/drawing/2014/main" id="{9D7C35CB-5AEC-4E5A-A36A-332F534AC610}"/>
+              </a:ext>
+            </a:extLst>
+          </p:cNvPr>
+          <p:cNvGrpSpPr/>
+          <p:nvPr/>
+        </p:nvGrpSpPr>
+        <p:grpSpPr>
+          <a:xfrm>
+            <a:off x="0" y="0"/>
+            <a:ext cx="9436963" cy="6684885"/>
+            <a:chOff x="690090" y="360746"/>
+            <a:chExt cx="11317689" cy="4810125"/>
+          </a:xfrm>
+        </p:grpSpPr>
+        <p:pic>
+          <p:nvPicPr>
+            <p:cNvPr id="9" name="Picture 8">
+              <a:extLst>
+                <a:ext uri="{FF2B5EF4-FFF2-40B4-BE49-F238E27FC236}">
+                  <a16:creationId xmlns:a16="http://schemas.microsoft.com/office/drawing/2014/main" id="{A402ED14-530E-4BA6-B343-EDC686DA3A8E}"/>
+                </a:ext>
+              </a:extLst>
+            </p:cNvPr>
+            <p:cNvPicPr>
+              <a:picLocks noChangeAspect="1"/>
+            </p:cNvPicPr>
+            <p:nvPr/>
+          </p:nvPicPr>
+          <p:blipFill>
+            <a:blip r:embed="rId2"/>
+            <a:stretch>
+              <a:fillRect/>
+            </a:stretch>
+          </p:blipFill>
+          <p:spPr>
+            <a:xfrm>
+              <a:off x="690090" y="360746"/>
+              <a:ext cx="11317689" cy="4810125"/>
+            </a:xfrm>
+            <a:prstGeom prst="rect">
+              <a:avLst/>
+            </a:prstGeom>
+          </p:spPr>
+        </p:pic>
+        <p:sp>
+          <p:nvSpPr>
+            <p:cNvPr id="10" name="Rectangle 9">
+              <a:extLst>
+                <a:ext uri="{FF2B5EF4-FFF2-40B4-BE49-F238E27FC236}">
+                  <a16:creationId xmlns:a16="http://schemas.microsoft.com/office/drawing/2014/main" id="{98A3F89C-BF0E-44DA-A628-8376104DF339}"/>
+                </a:ext>
+              </a:extLst>
+            </p:cNvPr>
+            <p:cNvSpPr/>
+            <p:nvPr/>
+          </p:nvSpPr>
+          <p:spPr>
+            <a:xfrm>
+              <a:off x="2070788" y="1225899"/>
+              <a:ext cx="8419691" cy="2964264"/>
+            </a:xfrm>
+            <a:prstGeom prst="rect">
+              <a:avLst/>
+            </a:prstGeom>
+            <a:solidFill>
+              <a:srgbClr val="0B1219"/>
+            </a:solidFill>
+            <a:ln>
+              <a:noFill/>
+            </a:ln>
+          </p:spPr>
+          <p:style>
+            <a:lnRef idx="2">
+              <a:schemeClr val="accent1">
+                <a:shade val="50000"/>
+              </a:schemeClr>
+            </a:lnRef>
+            <a:fillRef idx="1">
+              <a:schemeClr val="accent1"/>
+            </a:fillRef>
+            <a:effectRef idx="0">
+              <a:schemeClr val="accent1"/>
+            </a:effectRef>
+            <a:fontRef idx="minor">
+              <a:schemeClr val="lt1"/>
+            </a:fontRef>
+          </p:style>
+          <p:txBody>
+            <a:bodyPr rtlCol="0" anchor="ctr"/>
+            <a:lstStyle/>
+            <a:p>
+              <a:pPr algn="ctr"/>
+              <a:endParaRPr lang="en-US"/>
+            </a:p>
+          </p:txBody>
+        </p:sp>
+      </p:grpSp>
+      <p:sp>
+        <p:nvSpPr>
+          <p:cNvPr id="6" name="TextBox 5">
+            <a:extLst>
+              <a:ext uri="{FF2B5EF4-FFF2-40B4-BE49-F238E27FC236}">
+                <a16:creationId xmlns:a16="http://schemas.microsoft.com/office/drawing/2014/main" id="{A094D03E-2664-4AB7-A1A0-122BBA7EA4F3}"/>
+              </a:ext>
+            </a:extLst>
+          </p:cNvPr>
+          <p:cNvSpPr txBox="1"/>
+          <p:nvPr/>
+        </p:nvSpPr>
+        <p:spPr>
+          <a:xfrm>
+            <a:off x="1151259" y="1202349"/>
+            <a:ext cx="6909665" cy="4213029"/>
+          </a:xfrm>
+          <a:prstGeom prst="rect">
+            <a:avLst/>
+          </a:prstGeom>
+          <a:solidFill>
+            <a:srgbClr val="0B1219"/>
+          </a:solidFill>
+        </p:spPr>
+        <p:txBody>
+          <a:bodyPr wrap="square" rtlCol="0">
+            <a:normAutofit/>
+          </a:bodyPr>
+          <a:lstStyle/>
+          <a:p>
+            <a:pPr algn="ctr"/>
+            <a:r>
+              <a:rPr lang="en-US" sz="7500" b="1" dirty="0">
+                <a:solidFill>
+                  <a:srgbClr val="FECA0A"/>
+                </a:solidFill>
+                <a:latin typeface="Pristina" panose="03060402040406080204" pitchFamily="66" charset="0"/>
+                <a:cs typeface="Quire Sans" panose="020B0502040204020203" pitchFamily="34" charset="0"/>
+              </a:rPr>
+              <a:t>Gold</a:t>
+            </a:r>
+          </a:p>
+          <a:p>
+            <a:pPr algn="ctr"/>
+            <a:r>
+              <a:rPr lang="en-US" sz="5000" b="1" dirty="0">
+                <a:solidFill>
+                  <a:srgbClr val="FECA0A"/>
+                </a:solidFill>
+                <a:latin typeface="Pristina" panose="03060402040406080204" pitchFamily="66" charset="0"/>
+                <a:cs typeface="Quire Sans" panose="020B0502040204020203" pitchFamily="34" charset="0"/>
+              </a:rPr>
+              <a:t> $14.00 per person</a:t>
+            </a:r>
+          </a:p>
+          <a:p>
+            <a:pPr algn="ctr"/>
+            <a:r>
+              <a:rPr lang="en-US" sz="2400" b="1" dirty="0">
+                <a:solidFill>
+                  <a:srgbClr val="FECA0A"/>
+                </a:solidFill>
+                <a:latin typeface="Pristina" panose="03060402040406080204" pitchFamily="66" charset="0"/>
+                <a:cs typeface="Quire Sans" panose="020B0502040204020203" pitchFamily="34" charset="0"/>
+              </a:rPr>
+              <a:t>1 Veggie Appetizer </a:t>
+            </a:r>
+            <a:r>
+              <a:rPr lang="en-US" sz="2000" dirty="0">
+                <a:solidFill>
+                  <a:srgbClr val="FECA0A"/>
+                </a:solidFill>
+                <a:latin typeface="Pristina" panose="03060402040406080204" pitchFamily="66" charset="0"/>
+                <a:cs typeface="Quire Sans" panose="020B0502040204020203" pitchFamily="34" charset="0"/>
+              </a:rPr>
+              <a:t>(Pakora or </a:t>
+            </a:r>
+            <a:r>
+              <a:rPr lang="en-US" sz="2000" dirty="0" err="1">
+                <a:solidFill>
+                  <a:srgbClr val="FECA0A"/>
+                </a:solidFill>
+                <a:latin typeface="Pristina" panose="03060402040406080204" pitchFamily="66" charset="0"/>
+                <a:cs typeface="Quire Sans" panose="020B0502040204020203" pitchFamily="34" charset="0"/>
+              </a:rPr>
+              <a:t>Papdi</a:t>
+            </a:r>
+            <a:r>
+              <a:rPr lang="en-US" sz="2000" dirty="0">
+                <a:solidFill>
+                  <a:srgbClr val="FECA0A"/>
+                </a:solidFill>
+                <a:latin typeface="Pristina" panose="03060402040406080204" pitchFamily="66" charset="0"/>
+                <a:cs typeface="Quire Sans" panose="020B0502040204020203" pitchFamily="34" charset="0"/>
+              </a:rPr>
+              <a:t> Chat)</a:t>
+            </a:r>
+            <a:r>
+              <a:rPr lang="en-US" sz="2400" b="1" dirty="0">
+                <a:solidFill>
+                  <a:srgbClr val="FECA0A"/>
+                </a:solidFill>
+                <a:latin typeface="Pristina" panose="03060402040406080204" pitchFamily="66" charset="0"/>
+                <a:cs typeface="Quire Sans" panose="020B0502040204020203" pitchFamily="34" charset="0"/>
+              </a:rPr>
+              <a:t> </a:t>
+            </a:r>
+          </a:p>
+          <a:p>
+            <a:pPr algn="ctr"/>
+            <a:r>
+              <a:rPr lang="en-US" sz="2400" b="1" dirty="0">
+                <a:solidFill>
+                  <a:srgbClr val="FECA0A"/>
+                </a:solidFill>
+                <a:latin typeface="Pristina" panose="03060402040406080204" pitchFamily="66" charset="0"/>
+                <a:cs typeface="Quire Sans" panose="020B0502040204020203" pitchFamily="34" charset="0"/>
+              </a:rPr>
+              <a:t>1 Non-Veg Appetizer </a:t>
+            </a:r>
+            <a:r>
+              <a:rPr lang="en-US" sz="2000" dirty="0">
+                <a:solidFill>
+                  <a:srgbClr val="FECA0A"/>
+                </a:solidFill>
+                <a:latin typeface="Pristina" panose="03060402040406080204" pitchFamily="66" charset="0"/>
+                <a:cs typeface="Quire Sans" panose="020B0502040204020203" pitchFamily="34" charset="0"/>
+              </a:rPr>
+              <a:t>(Chilly Chicken or Tandoori Chicken)</a:t>
+            </a:r>
+          </a:p>
+          <a:p>
+            <a:pPr algn="ctr"/>
+            <a:r>
+              <a:rPr lang="en-US" sz="2400" b="1" dirty="0">
+                <a:solidFill>
+                  <a:srgbClr val="FECA0A"/>
+                </a:solidFill>
+                <a:latin typeface="Pristina" panose="03060402040406080204" pitchFamily="66" charset="0"/>
+                <a:cs typeface="Quire Sans" panose="020B0502040204020203" pitchFamily="34" charset="0"/>
+              </a:rPr>
+              <a:t> 2 Veggie Curry </a:t>
+            </a:r>
+            <a:r>
+              <a:rPr lang="en-US" sz="2000" dirty="0">
+                <a:solidFill>
+                  <a:srgbClr val="FECA0A"/>
+                </a:solidFill>
+                <a:latin typeface="Pristina" panose="03060402040406080204" pitchFamily="66" charset="0"/>
+                <a:cs typeface="Quire Sans" panose="020B0502040204020203" pitchFamily="34" charset="0"/>
+              </a:rPr>
+              <a:t>( Any Choice )</a:t>
+            </a:r>
+          </a:p>
+          <a:p>
+            <a:pPr algn="ctr"/>
+            <a:r>
+              <a:rPr lang="en-US" sz="2400" b="1" dirty="0">
+                <a:solidFill>
+                  <a:srgbClr val="FECA0A"/>
+                </a:solidFill>
+                <a:latin typeface="Pristina" panose="03060402040406080204" pitchFamily="66" charset="0"/>
+                <a:cs typeface="Quire Sans" panose="020B0502040204020203" pitchFamily="34" charset="0"/>
+              </a:rPr>
+              <a:t> 2 Curry </a:t>
+            </a:r>
+            <a:r>
+              <a:rPr lang="en-US" sz="2000" dirty="0">
+                <a:solidFill>
+                  <a:srgbClr val="FECA0A"/>
+                </a:solidFill>
+                <a:latin typeface="Pristina" panose="03060402040406080204" pitchFamily="66" charset="0"/>
+                <a:cs typeface="Quire Sans" panose="020B0502040204020203" pitchFamily="34" charset="0"/>
+              </a:rPr>
+              <a:t>(Chicken, Goat, Kabab, Roast)</a:t>
+            </a:r>
+            <a:r>
+              <a:rPr lang="en-US" sz="2400" b="1" dirty="0">
+                <a:solidFill>
+                  <a:srgbClr val="FECA0A"/>
+                </a:solidFill>
+                <a:latin typeface="Pristina" panose="03060402040406080204" pitchFamily="66" charset="0"/>
+                <a:cs typeface="Quire Sans" panose="020B0502040204020203" pitchFamily="34" charset="0"/>
+              </a:rPr>
+              <a:t> </a:t>
+            </a:r>
+          </a:p>
+          <a:p>
+            <a:pPr algn="ctr"/>
+            <a:r>
+              <a:rPr lang="en-US" sz="2400" b="1" dirty="0">
+                <a:solidFill>
+                  <a:srgbClr val="FECA0A"/>
+                </a:solidFill>
+                <a:latin typeface="Pristina" panose="03060402040406080204" pitchFamily="66" charset="0"/>
+                <a:cs typeface="Quire Sans" panose="020B0502040204020203" pitchFamily="34" charset="0"/>
+              </a:rPr>
+              <a:t>Pulao Naan Salad </a:t>
+            </a:r>
+          </a:p>
+          <a:p>
+            <a:pPr algn="ctr"/>
+            <a:r>
+              <a:rPr lang="en-US" sz="2400" b="1" dirty="0">
+                <a:solidFill>
+                  <a:srgbClr val="FECA0A"/>
+                </a:solidFill>
+                <a:latin typeface="Pristina" panose="03060402040406080204" pitchFamily="66" charset="0"/>
+                <a:cs typeface="Quire Sans" panose="020B0502040204020203" pitchFamily="34" charset="0"/>
+              </a:rPr>
+              <a:t>Any Dessert</a:t>
+            </a:r>
+          </a:p>
+        </p:txBody>
+      </p:sp>
+    </p:spTree>
+    <p:extLst>
+      <p:ext uri="{BB962C8B-B14F-4D97-AF65-F5344CB8AC3E}">
+        <p14:creationId xmlns:p14="http://schemas.microsoft.com/office/powerpoint/2010/main" val="539805291"/>
+      </p:ext>
+    </p:extLst>
+  </p:cSld>
+  <p:clrMapOvr>
+    <a:masterClrMapping/>
+  </p:clrMapOvr>
+</p:sld>
+</file>
+
+<file path=ppt/slides/slide7.xml><?xml version="1.0" encoding="utf-8"?>
+<p:sld xmlns:a="http://schemas.openxmlformats.org/drawingml/2006/main" xmlns:r="http://schemas.openxmlformats.org/officeDocument/2006/relationships" xmlns:p="http://schemas.openxmlformats.org/presentationml/2006/main">
+  <p:cSld>
+    <p:spTree>
+      <p:nvGrpSpPr>
+        <p:cNvPr id="1" name=""/>
+        <p:cNvGrpSpPr/>
+        <p:nvPr/>
+      </p:nvGrpSpPr>
+      <p:grpSpPr>
+        <a:xfrm>
+          <a:off x="0" y="0"/>
+          <a:ext cx="0" cy="0"/>
+          <a:chOff x="0" y="0"/>
+          <a:chExt cx="0" cy="0"/>
+        </a:xfrm>
+      </p:grpSpPr>
+      <p:grpSp>
+        <p:nvGrpSpPr>
+          <p:cNvPr id="11" name="Group 10">
+            <a:extLst>
+              <a:ext uri="{FF2B5EF4-FFF2-40B4-BE49-F238E27FC236}">
+                <a16:creationId xmlns:a16="http://schemas.microsoft.com/office/drawing/2014/main" id="{9D7C35CB-5AEC-4E5A-A36A-332F534AC610}"/>
+              </a:ext>
+            </a:extLst>
+          </p:cNvPr>
+          <p:cNvGrpSpPr/>
+          <p:nvPr/>
+        </p:nvGrpSpPr>
+        <p:grpSpPr>
+          <a:xfrm>
+            <a:off x="0" y="0"/>
+            <a:ext cx="9436963" cy="6684885"/>
+            <a:chOff x="690090" y="360746"/>
+            <a:chExt cx="11317689" cy="4810125"/>
+          </a:xfrm>
+        </p:grpSpPr>
+        <p:pic>
+          <p:nvPicPr>
+            <p:cNvPr id="9" name="Picture 8">
+              <a:extLst>
+                <a:ext uri="{FF2B5EF4-FFF2-40B4-BE49-F238E27FC236}">
+                  <a16:creationId xmlns:a16="http://schemas.microsoft.com/office/drawing/2014/main" id="{A402ED14-530E-4BA6-B343-EDC686DA3A8E}"/>
+                </a:ext>
+              </a:extLst>
+            </p:cNvPr>
+            <p:cNvPicPr>
+              <a:picLocks noChangeAspect="1"/>
+            </p:cNvPicPr>
+            <p:nvPr/>
+          </p:nvPicPr>
+          <p:blipFill>
+            <a:blip r:embed="rId2"/>
+            <a:stretch>
+              <a:fillRect/>
+            </a:stretch>
+          </p:blipFill>
+          <p:spPr>
+            <a:xfrm>
+              <a:off x="690090" y="360746"/>
+              <a:ext cx="11317689" cy="4810125"/>
+            </a:xfrm>
+            <a:prstGeom prst="rect">
+              <a:avLst/>
+            </a:prstGeom>
+          </p:spPr>
+        </p:pic>
+        <p:sp>
+          <p:nvSpPr>
+            <p:cNvPr id="10" name="Rectangle 9">
+              <a:extLst>
+                <a:ext uri="{FF2B5EF4-FFF2-40B4-BE49-F238E27FC236}">
+                  <a16:creationId xmlns:a16="http://schemas.microsoft.com/office/drawing/2014/main" id="{98A3F89C-BF0E-44DA-A628-8376104DF339}"/>
+                </a:ext>
+              </a:extLst>
+            </p:cNvPr>
+            <p:cNvSpPr/>
+            <p:nvPr/>
+          </p:nvSpPr>
+          <p:spPr>
+            <a:xfrm>
+              <a:off x="2070788" y="1225899"/>
+              <a:ext cx="8419691" cy="2964264"/>
+            </a:xfrm>
+            <a:prstGeom prst="rect">
+              <a:avLst/>
+            </a:prstGeom>
+            <a:solidFill>
+              <a:srgbClr val="0B1219"/>
+            </a:solidFill>
+            <a:ln>
+              <a:noFill/>
+            </a:ln>
+          </p:spPr>
+          <p:style>
+            <a:lnRef idx="2">
+              <a:schemeClr val="accent1">
+                <a:shade val="50000"/>
+              </a:schemeClr>
+            </a:lnRef>
+            <a:fillRef idx="1">
+              <a:schemeClr val="accent1"/>
+            </a:fillRef>
+            <a:effectRef idx="0">
+              <a:schemeClr val="accent1"/>
+            </a:effectRef>
+            <a:fontRef idx="minor">
+              <a:schemeClr val="lt1"/>
+            </a:fontRef>
+          </p:style>
+          <p:txBody>
+            <a:bodyPr rtlCol="0" anchor="ctr"/>
+            <a:lstStyle/>
+            <a:p>
+              <a:pPr algn="ctr"/>
+              <a:endParaRPr lang="en-US"/>
+            </a:p>
+          </p:txBody>
+        </p:sp>
+      </p:grpSp>
+      <p:sp>
+        <p:nvSpPr>
+          <p:cNvPr id="6" name="TextBox 5">
+            <a:extLst>
+              <a:ext uri="{FF2B5EF4-FFF2-40B4-BE49-F238E27FC236}">
+                <a16:creationId xmlns:a16="http://schemas.microsoft.com/office/drawing/2014/main" id="{A094D03E-2664-4AB7-A1A0-122BBA7EA4F3}"/>
+              </a:ext>
+            </a:extLst>
+          </p:cNvPr>
+          <p:cNvSpPr txBox="1"/>
+          <p:nvPr/>
+        </p:nvSpPr>
+        <p:spPr>
+          <a:xfrm>
+            <a:off x="1151259" y="1202349"/>
+            <a:ext cx="6909665" cy="4213029"/>
+          </a:xfrm>
+          <a:prstGeom prst="rect">
+            <a:avLst/>
+          </a:prstGeom>
+          <a:solidFill>
+            <a:srgbClr val="0B1219"/>
+          </a:solidFill>
+        </p:spPr>
+        <p:txBody>
+          <a:bodyPr wrap="square" rtlCol="0">
+            <a:normAutofit/>
+          </a:bodyPr>
+          <a:lstStyle/>
+          <a:p>
+            <a:pPr algn="ctr"/>
+            <a:r>
+              <a:rPr lang="en-US" sz="7500" b="1" dirty="0">
+                <a:solidFill>
+                  <a:srgbClr val="FECA0A"/>
+                </a:solidFill>
+                <a:latin typeface="Pristina" panose="03060402040406080204" pitchFamily="66" charset="0"/>
+                <a:cs typeface="Quire Sans" panose="020B0502040204020203" pitchFamily="34" charset="0"/>
+              </a:rPr>
+              <a:t>Diamond</a:t>
+            </a:r>
+          </a:p>
+          <a:p>
+            <a:pPr algn="ctr"/>
+            <a:r>
+              <a:rPr lang="en-US" sz="5000" b="1" dirty="0">
+                <a:solidFill>
+                  <a:srgbClr val="FECA0A"/>
+                </a:solidFill>
+                <a:latin typeface="Pristina" panose="03060402040406080204" pitchFamily="66" charset="0"/>
+                <a:cs typeface="Quire Sans" panose="020B0502040204020203" pitchFamily="34" charset="0"/>
+              </a:rPr>
+              <a:t> $16.00 per person</a:t>
+            </a:r>
+          </a:p>
+          <a:p>
+            <a:pPr algn="ctr"/>
+            <a:r>
+              <a:rPr lang="en-US" sz="2400" b="1" dirty="0">
+                <a:solidFill>
+                  <a:srgbClr val="FECA0A"/>
+                </a:solidFill>
+                <a:latin typeface="Pristina" panose="03060402040406080204" pitchFamily="66" charset="0"/>
+                <a:cs typeface="Quire Sans" panose="020B0502040204020203" pitchFamily="34" charset="0"/>
+              </a:rPr>
+              <a:t>2 Veggie Appetizer </a:t>
+            </a:r>
+            <a:r>
+              <a:rPr lang="en-US" sz="2000" dirty="0">
+                <a:solidFill>
+                  <a:srgbClr val="FECA0A"/>
+                </a:solidFill>
+                <a:latin typeface="Pristina" panose="03060402040406080204" pitchFamily="66" charset="0"/>
+                <a:cs typeface="Quire Sans" panose="020B0502040204020203" pitchFamily="34" charset="0"/>
+              </a:rPr>
+              <a:t>(Pakora and </a:t>
+            </a:r>
+            <a:r>
+              <a:rPr lang="en-US" sz="2000" dirty="0" err="1">
+                <a:solidFill>
+                  <a:srgbClr val="FECA0A"/>
+                </a:solidFill>
+                <a:latin typeface="Pristina" panose="03060402040406080204" pitchFamily="66" charset="0"/>
+                <a:cs typeface="Quire Sans" panose="020B0502040204020203" pitchFamily="34" charset="0"/>
+              </a:rPr>
+              <a:t>Papdi</a:t>
+            </a:r>
+            <a:r>
+              <a:rPr lang="en-US" sz="2000" dirty="0">
+                <a:solidFill>
+                  <a:srgbClr val="FECA0A"/>
+                </a:solidFill>
+                <a:latin typeface="Pristina" panose="03060402040406080204" pitchFamily="66" charset="0"/>
+                <a:cs typeface="Quire Sans" panose="020B0502040204020203" pitchFamily="34" charset="0"/>
+              </a:rPr>
+              <a:t> Chat)</a:t>
+            </a:r>
+            <a:r>
+              <a:rPr lang="en-US" sz="2400" b="1" dirty="0">
+                <a:solidFill>
+                  <a:srgbClr val="FECA0A"/>
+                </a:solidFill>
+                <a:latin typeface="Pristina" panose="03060402040406080204" pitchFamily="66" charset="0"/>
+                <a:cs typeface="Quire Sans" panose="020B0502040204020203" pitchFamily="34" charset="0"/>
+              </a:rPr>
+              <a:t> </a:t>
+            </a:r>
+          </a:p>
+          <a:p>
+            <a:pPr algn="ctr"/>
+            <a:r>
+              <a:rPr lang="en-US" sz="2400" b="1" dirty="0">
+                <a:solidFill>
+                  <a:srgbClr val="FECA0A"/>
+                </a:solidFill>
+                <a:latin typeface="Pristina" panose="03060402040406080204" pitchFamily="66" charset="0"/>
+                <a:cs typeface="Quire Sans" panose="020B0502040204020203" pitchFamily="34" charset="0"/>
+              </a:rPr>
+              <a:t>1 Non-Veg Appetizer </a:t>
+            </a:r>
+            <a:r>
+              <a:rPr lang="en-US" sz="2000" dirty="0">
+                <a:solidFill>
+                  <a:srgbClr val="FECA0A"/>
+                </a:solidFill>
+                <a:latin typeface="Pristina" panose="03060402040406080204" pitchFamily="66" charset="0"/>
+                <a:cs typeface="Quire Sans" panose="020B0502040204020203" pitchFamily="34" charset="0"/>
+              </a:rPr>
+              <a:t>(Chilly Chicken or Tandoori Chicken)</a:t>
+            </a:r>
+          </a:p>
+          <a:p>
+            <a:pPr algn="ctr"/>
+            <a:r>
+              <a:rPr lang="en-US" sz="2400" b="1" dirty="0">
+                <a:solidFill>
+                  <a:srgbClr val="FECA0A"/>
+                </a:solidFill>
+                <a:latin typeface="Pristina" panose="03060402040406080204" pitchFamily="66" charset="0"/>
+                <a:cs typeface="Quire Sans" panose="020B0502040204020203" pitchFamily="34" charset="0"/>
+              </a:rPr>
+              <a:t> 2 Veggie Curry </a:t>
+            </a:r>
+            <a:r>
+              <a:rPr lang="en-US" sz="2000" dirty="0">
+                <a:solidFill>
+                  <a:srgbClr val="FECA0A"/>
+                </a:solidFill>
+                <a:latin typeface="Pristina" panose="03060402040406080204" pitchFamily="66" charset="0"/>
+                <a:cs typeface="Quire Sans" panose="020B0502040204020203" pitchFamily="34" charset="0"/>
+              </a:rPr>
+              <a:t>( Any Choice )</a:t>
+            </a:r>
+          </a:p>
+          <a:p>
+            <a:pPr algn="ctr"/>
+            <a:r>
+              <a:rPr lang="en-US" sz="2400" b="1" dirty="0">
+                <a:solidFill>
+                  <a:srgbClr val="FECA0A"/>
+                </a:solidFill>
+                <a:latin typeface="Pristina" panose="03060402040406080204" pitchFamily="66" charset="0"/>
+                <a:cs typeface="Quire Sans" panose="020B0502040204020203" pitchFamily="34" charset="0"/>
+              </a:rPr>
+              <a:t> 2 Curry </a:t>
+            </a:r>
+            <a:r>
+              <a:rPr lang="en-US" sz="2000" dirty="0">
+                <a:solidFill>
+                  <a:srgbClr val="FECA0A"/>
+                </a:solidFill>
+                <a:latin typeface="Pristina" panose="03060402040406080204" pitchFamily="66" charset="0"/>
+                <a:cs typeface="Quire Sans" panose="020B0502040204020203" pitchFamily="34" charset="0"/>
+              </a:rPr>
+              <a:t>(Chicken, Goat, Kabab, Roast)</a:t>
+            </a:r>
+            <a:r>
+              <a:rPr lang="en-US" sz="2400" b="1" dirty="0">
+                <a:solidFill>
+                  <a:srgbClr val="FECA0A"/>
+                </a:solidFill>
+                <a:latin typeface="Pristina" panose="03060402040406080204" pitchFamily="66" charset="0"/>
+                <a:cs typeface="Quire Sans" panose="020B0502040204020203" pitchFamily="34" charset="0"/>
+              </a:rPr>
+              <a:t> </a:t>
+            </a:r>
+          </a:p>
+          <a:p>
+            <a:pPr algn="ctr"/>
+            <a:r>
+              <a:rPr lang="en-US" sz="2400" b="1" dirty="0">
+                <a:solidFill>
+                  <a:srgbClr val="FECA0A"/>
+                </a:solidFill>
+                <a:latin typeface="Pristina" panose="03060402040406080204" pitchFamily="66" charset="0"/>
+                <a:cs typeface="Quire Sans" panose="020B0502040204020203" pitchFamily="34" charset="0"/>
+              </a:rPr>
+              <a:t>Pulao Naan Salad </a:t>
+            </a:r>
+          </a:p>
+          <a:p>
+            <a:pPr algn="ctr"/>
+            <a:r>
+              <a:rPr lang="en-US" sz="2400" b="1" dirty="0">
+                <a:solidFill>
+                  <a:srgbClr val="FECA0A"/>
+                </a:solidFill>
+                <a:latin typeface="Pristina" panose="03060402040406080204" pitchFamily="66" charset="0"/>
+                <a:cs typeface="Quire Sans" panose="020B0502040204020203" pitchFamily="34" charset="0"/>
+              </a:rPr>
+              <a:t>Any Dessert</a:t>
+            </a:r>
+          </a:p>
+        </p:txBody>
+      </p:sp>
+    </p:spTree>
+    <p:extLst>
+      <p:ext uri="{BB962C8B-B14F-4D97-AF65-F5344CB8AC3E}">
+        <p14:creationId xmlns:p14="http://schemas.microsoft.com/office/powerpoint/2010/main" val="1651102097"/>
+      </p:ext>
+    </p:extLst>
+  </p:cSld>
+  <p:clrMapOvr>
+    <a:masterClrMapping/>
+  </p:clrMapOvr>
+</p:sld>
+</file>
+
+<file path=ppt/slides/slide8.xml><?xml version="1.0" encoding="utf-8"?>
+<p:sld xmlns:a="http://schemas.openxmlformats.org/drawingml/2006/main" xmlns:r="http://schemas.openxmlformats.org/officeDocument/2006/relationships" xmlns:p="http://schemas.openxmlformats.org/presentationml/2006/main">
+  <p:cSld>
+    <p:spTree>
+      <p:nvGrpSpPr>
+        <p:cNvPr id="1" name=""/>
+        <p:cNvGrpSpPr/>
+        <p:nvPr/>
+      </p:nvGrpSpPr>
+      <p:grpSpPr>
+        <a:xfrm>
+          <a:off x="0" y="0"/>
+          <a:ext cx="0" cy="0"/>
+          <a:chOff x="0" y="0"/>
+          <a:chExt cx="0" cy="0"/>
+        </a:xfrm>
+      </p:grpSpPr>
+      <p:grpSp>
+        <p:nvGrpSpPr>
+          <p:cNvPr id="11" name="Group 10">
+            <a:extLst>
+              <a:ext uri="{FF2B5EF4-FFF2-40B4-BE49-F238E27FC236}">
+                <a16:creationId xmlns:a16="http://schemas.microsoft.com/office/drawing/2014/main" id="{9D7C35CB-5AEC-4E5A-A36A-332F534AC610}"/>
+              </a:ext>
+            </a:extLst>
+          </p:cNvPr>
+          <p:cNvGrpSpPr/>
+          <p:nvPr/>
+        </p:nvGrpSpPr>
+        <p:grpSpPr>
+          <a:xfrm>
+            <a:off x="0" y="0"/>
+            <a:ext cx="9436963" cy="6684885"/>
+            <a:chOff x="690090" y="360746"/>
+            <a:chExt cx="11317689" cy="4810125"/>
+          </a:xfrm>
+        </p:grpSpPr>
+        <p:pic>
+          <p:nvPicPr>
+            <p:cNvPr id="9" name="Picture 8">
+              <a:extLst>
+                <a:ext uri="{FF2B5EF4-FFF2-40B4-BE49-F238E27FC236}">
+                  <a16:creationId xmlns:a16="http://schemas.microsoft.com/office/drawing/2014/main" id="{A402ED14-530E-4BA6-B343-EDC686DA3A8E}"/>
+                </a:ext>
+              </a:extLst>
+            </p:cNvPr>
+            <p:cNvPicPr>
+              <a:picLocks noChangeAspect="1"/>
+            </p:cNvPicPr>
+            <p:nvPr/>
+          </p:nvPicPr>
+          <p:blipFill>
+            <a:blip r:embed="rId2"/>
+            <a:stretch>
+              <a:fillRect/>
+            </a:stretch>
+          </p:blipFill>
+          <p:spPr>
+            <a:xfrm>
+              <a:off x="690090" y="360746"/>
+              <a:ext cx="11317689" cy="4810125"/>
+            </a:xfrm>
+            <a:prstGeom prst="rect">
+              <a:avLst/>
+            </a:prstGeom>
+          </p:spPr>
+        </p:pic>
+        <p:sp>
+          <p:nvSpPr>
+            <p:cNvPr id="10" name="Rectangle 9">
+              <a:extLst>
+                <a:ext uri="{FF2B5EF4-FFF2-40B4-BE49-F238E27FC236}">
+                  <a16:creationId xmlns:a16="http://schemas.microsoft.com/office/drawing/2014/main" id="{98A3F89C-BF0E-44DA-A628-8376104DF339}"/>
+                </a:ext>
+              </a:extLst>
+            </p:cNvPr>
+            <p:cNvSpPr/>
+            <p:nvPr/>
+          </p:nvSpPr>
+          <p:spPr>
+            <a:xfrm>
+              <a:off x="2070788" y="1225899"/>
+              <a:ext cx="8419691" cy="2964264"/>
+            </a:xfrm>
+            <a:prstGeom prst="rect">
+              <a:avLst/>
+            </a:prstGeom>
+            <a:solidFill>
+              <a:srgbClr val="0B1219"/>
+            </a:solidFill>
+            <a:ln>
+              <a:noFill/>
+            </a:ln>
+          </p:spPr>
+          <p:style>
+            <a:lnRef idx="2">
+              <a:schemeClr val="accent1">
+                <a:shade val="50000"/>
+              </a:schemeClr>
+            </a:lnRef>
+            <a:fillRef idx="1">
+              <a:schemeClr val="accent1"/>
+            </a:fillRef>
+            <a:effectRef idx="0">
+              <a:schemeClr val="accent1"/>
+            </a:effectRef>
+            <a:fontRef idx="minor">
+              <a:schemeClr val="lt1"/>
+            </a:fontRef>
+          </p:style>
+          <p:txBody>
+            <a:bodyPr rtlCol="0" anchor="ctr"/>
+            <a:lstStyle/>
+            <a:p>
+              <a:pPr algn="ctr"/>
+              <a:endParaRPr lang="en-US"/>
+            </a:p>
+          </p:txBody>
+        </p:sp>
+      </p:grpSp>
+      <p:sp>
+        <p:nvSpPr>
+          <p:cNvPr id="6" name="TextBox 5">
+            <a:extLst>
+              <a:ext uri="{FF2B5EF4-FFF2-40B4-BE49-F238E27FC236}">
+                <a16:creationId xmlns:a16="http://schemas.microsoft.com/office/drawing/2014/main" id="{A094D03E-2664-4AB7-A1A0-122BBA7EA4F3}"/>
+              </a:ext>
+            </a:extLst>
+          </p:cNvPr>
+          <p:cNvSpPr txBox="1"/>
+          <p:nvPr/>
+        </p:nvSpPr>
+        <p:spPr>
+          <a:xfrm>
+            <a:off x="1083077" y="1202349"/>
+            <a:ext cx="7208668" cy="4453302"/>
+          </a:xfrm>
+          <a:prstGeom prst="rect">
+            <a:avLst/>
+          </a:prstGeom>
+          <a:solidFill>
+            <a:srgbClr val="0B1219"/>
+          </a:solidFill>
+        </p:spPr>
+        <p:txBody>
+          <a:bodyPr wrap="square" rtlCol="0">
+            <a:normAutofit lnSpcReduction="10000"/>
+          </a:bodyPr>
+          <a:lstStyle/>
+          <a:p>
+            <a:pPr algn="ctr"/>
+            <a:r>
+              <a:rPr lang="en-US" sz="8100" b="1" dirty="0">
+                <a:solidFill>
+                  <a:srgbClr val="FECA0A"/>
+                </a:solidFill>
+                <a:latin typeface="Pristina" panose="03060402040406080204" pitchFamily="66" charset="0"/>
+                <a:cs typeface="Quire Sans" panose="020B0502040204020203" pitchFamily="34" charset="0"/>
+              </a:rPr>
+              <a:t>Premium</a:t>
+            </a:r>
+          </a:p>
+          <a:p>
+            <a:pPr algn="ctr"/>
+            <a:r>
+              <a:rPr lang="en-US" sz="5000" b="1" dirty="0">
+                <a:solidFill>
+                  <a:srgbClr val="FECA0A"/>
+                </a:solidFill>
+                <a:latin typeface="Pristina" panose="03060402040406080204" pitchFamily="66" charset="0"/>
+                <a:cs typeface="Quire Sans" panose="020B0502040204020203" pitchFamily="34" charset="0"/>
+              </a:rPr>
+              <a:t> $18.00 per person</a:t>
+            </a:r>
+          </a:p>
+          <a:p>
+            <a:pPr algn="ctr"/>
+            <a:r>
+              <a:rPr lang="en-US" sz="2400" b="1" dirty="0">
+                <a:solidFill>
+                  <a:srgbClr val="FECA0A"/>
+                </a:solidFill>
+                <a:latin typeface="Pristina" panose="03060402040406080204" pitchFamily="66" charset="0"/>
+                <a:cs typeface="Quire Sans" panose="020B0502040204020203" pitchFamily="34" charset="0"/>
+              </a:rPr>
+              <a:t>2 Veggie Appetizer </a:t>
+            </a:r>
+            <a:r>
+              <a:rPr lang="en-US" sz="2000" dirty="0">
+                <a:solidFill>
+                  <a:srgbClr val="FECA0A"/>
+                </a:solidFill>
+                <a:latin typeface="Pristina" panose="03060402040406080204" pitchFamily="66" charset="0"/>
+                <a:cs typeface="Quire Sans" panose="020B0502040204020203" pitchFamily="34" charset="0"/>
+              </a:rPr>
+              <a:t>(Pakora and </a:t>
+            </a:r>
+            <a:r>
+              <a:rPr lang="en-US" sz="2000" dirty="0" err="1">
+                <a:solidFill>
+                  <a:srgbClr val="FECA0A"/>
+                </a:solidFill>
+                <a:latin typeface="Pristina" panose="03060402040406080204" pitchFamily="66" charset="0"/>
+                <a:cs typeface="Quire Sans" panose="020B0502040204020203" pitchFamily="34" charset="0"/>
+              </a:rPr>
+              <a:t>Papdi</a:t>
+            </a:r>
+            <a:r>
+              <a:rPr lang="en-US" sz="2000" dirty="0">
+                <a:solidFill>
+                  <a:srgbClr val="FECA0A"/>
+                </a:solidFill>
+                <a:latin typeface="Pristina" panose="03060402040406080204" pitchFamily="66" charset="0"/>
+                <a:cs typeface="Quire Sans" panose="020B0502040204020203" pitchFamily="34" charset="0"/>
+              </a:rPr>
+              <a:t> Chat)</a:t>
+            </a:r>
+            <a:r>
+              <a:rPr lang="en-US" sz="2400" b="1" dirty="0">
+                <a:solidFill>
+                  <a:srgbClr val="FECA0A"/>
+                </a:solidFill>
+                <a:latin typeface="Pristina" panose="03060402040406080204" pitchFamily="66" charset="0"/>
+                <a:cs typeface="Quire Sans" panose="020B0502040204020203" pitchFamily="34" charset="0"/>
+              </a:rPr>
+              <a:t> </a:t>
+            </a:r>
+          </a:p>
+          <a:p>
+            <a:pPr algn="ctr"/>
+            <a:r>
+              <a:rPr lang="en-US" sz="2400" b="1" dirty="0">
+                <a:solidFill>
+                  <a:srgbClr val="FECA0A"/>
+                </a:solidFill>
+                <a:latin typeface="Pristina" panose="03060402040406080204" pitchFamily="66" charset="0"/>
+                <a:cs typeface="Quire Sans" panose="020B0502040204020203" pitchFamily="34" charset="0"/>
+              </a:rPr>
+              <a:t>1 Non-Veg Appetizer </a:t>
+            </a:r>
+            <a:r>
+              <a:rPr lang="en-US" sz="2000" dirty="0">
+                <a:solidFill>
+                  <a:srgbClr val="FECA0A"/>
+                </a:solidFill>
+                <a:latin typeface="Pristina" panose="03060402040406080204" pitchFamily="66" charset="0"/>
+                <a:cs typeface="Quire Sans" panose="020B0502040204020203" pitchFamily="34" charset="0"/>
+              </a:rPr>
+              <a:t>(Chilly Chicken or Tandoori Chicken)</a:t>
+            </a:r>
+          </a:p>
+          <a:p>
+            <a:pPr algn="ctr"/>
+            <a:r>
+              <a:rPr lang="en-US" sz="2400" b="1" dirty="0">
+                <a:solidFill>
+                  <a:srgbClr val="FECA0A"/>
+                </a:solidFill>
+                <a:latin typeface="Pristina" panose="03060402040406080204" pitchFamily="66" charset="0"/>
+                <a:cs typeface="Quire Sans" panose="020B0502040204020203" pitchFamily="34" charset="0"/>
+              </a:rPr>
+              <a:t> 2 Veggie Curry </a:t>
+            </a:r>
+            <a:r>
+              <a:rPr lang="en-US" sz="2000" dirty="0">
+                <a:solidFill>
+                  <a:srgbClr val="FECA0A"/>
+                </a:solidFill>
+                <a:latin typeface="Pristina" panose="03060402040406080204" pitchFamily="66" charset="0"/>
+                <a:cs typeface="Quire Sans" panose="020B0502040204020203" pitchFamily="34" charset="0"/>
+              </a:rPr>
+              <a:t>( Any Choice )</a:t>
+            </a:r>
+          </a:p>
+          <a:p>
+            <a:pPr algn="ctr"/>
+            <a:r>
+              <a:rPr lang="en-US" sz="2400" b="1" dirty="0">
+                <a:solidFill>
+                  <a:srgbClr val="FECA0A"/>
+                </a:solidFill>
+                <a:latin typeface="Pristina" panose="03060402040406080204" pitchFamily="66" charset="0"/>
+                <a:cs typeface="Quire Sans" panose="020B0502040204020203" pitchFamily="34" charset="0"/>
+              </a:rPr>
+              <a:t>Fried Fish or Shrimp</a:t>
+            </a:r>
+          </a:p>
+          <a:p>
+            <a:pPr algn="ctr"/>
+            <a:r>
+              <a:rPr lang="en-US" sz="2400" b="1" dirty="0">
+                <a:solidFill>
+                  <a:srgbClr val="FECA0A"/>
+                </a:solidFill>
+                <a:latin typeface="Pristina" panose="03060402040406080204" pitchFamily="66" charset="0"/>
+                <a:cs typeface="Quire Sans" panose="020B0502040204020203" pitchFamily="34" charset="0"/>
+              </a:rPr>
+              <a:t> 2 Curry </a:t>
+            </a:r>
+            <a:r>
+              <a:rPr lang="en-US" sz="2000" dirty="0">
+                <a:solidFill>
+                  <a:srgbClr val="FECA0A"/>
+                </a:solidFill>
+                <a:latin typeface="Pristina" panose="03060402040406080204" pitchFamily="66" charset="0"/>
+                <a:cs typeface="Quire Sans" panose="020B0502040204020203" pitchFamily="34" charset="0"/>
+              </a:rPr>
+              <a:t>(Chicken, Goat, Kabab, Roast)</a:t>
+            </a:r>
+            <a:r>
+              <a:rPr lang="en-US" sz="2400" b="1" dirty="0">
+                <a:solidFill>
+                  <a:srgbClr val="FECA0A"/>
+                </a:solidFill>
+                <a:latin typeface="Pristina" panose="03060402040406080204" pitchFamily="66" charset="0"/>
+                <a:cs typeface="Quire Sans" panose="020B0502040204020203" pitchFamily="34" charset="0"/>
+              </a:rPr>
+              <a:t> </a:t>
+            </a:r>
+          </a:p>
+          <a:p>
+            <a:pPr algn="ctr"/>
+            <a:r>
+              <a:rPr lang="en-US" sz="2400" b="1" dirty="0">
+                <a:solidFill>
+                  <a:srgbClr val="FECA0A"/>
+                </a:solidFill>
+                <a:latin typeface="Pristina" panose="03060402040406080204" pitchFamily="66" charset="0"/>
+                <a:cs typeface="Quire Sans" panose="020B0502040204020203" pitchFamily="34" charset="0"/>
+              </a:rPr>
+              <a:t>Pulao Naan Salad </a:t>
+            </a:r>
+          </a:p>
+          <a:p>
+            <a:pPr algn="ctr"/>
+            <a:r>
+              <a:rPr lang="en-US" sz="2400" b="1" dirty="0">
+                <a:solidFill>
+                  <a:srgbClr val="FECA0A"/>
+                </a:solidFill>
+                <a:latin typeface="Pristina" panose="03060402040406080204" pitchFamily="66" charset="0"/>
+                <a:cs typeface="Quire Sans" panose="020B0502040204020203" pitchFamily="34" charset="0"/>
+              </a:rPr>
+              <a:t>Two Desserts</a:t>
+            </a:r>
+          </a:p>
+        </p:txBody>
+      </p:sp>
+    </p:spTree>
+    <p:extLst>
+      <p:ext uri="{BB962C8B-B14F-4D97-AF65-F5344CB8AC3E}">
+        <p14:creationId xmlns:p14="http://schemas.microsoft.com/office/powerpoint/2010/main" val="3496846848"/>
       </p:ext>
     </p:extLst>
   </p:cSld>
